--- a/UI.pptx
+++ b/UI.pptx
@@ -290,7 +290,7 @@
             <a:fld id="{530820CF-B880-4189-942D-D702A7CBA730}" type="datetimeFigureOut">
               <a:rPr lang="zh-CN" altLang="en-US" smtClean="0"/>
               <a:pPr/>
-              <a:t>2022/2/1</a:t>
+              <a:t>2022/2/2</a:t>
             </a:fld>
             <a:endParaRPr lang="zh-CN" altLang="en-US"/>
           </a:p>
@@ -457,7 +457,7 @@
             <a:fld id="{530820CF-B880-4189-942D-D702A7CBA730}" type="datetimeFigureOut">
               <a:rPr lang="zh-CN" altLang="en-US" smtClean="0"/>
               <a:pPr/>
-              <a:t>2022/2/1</a:t>
+              <a:t>2022/2/2</a:t>
             </a:fld>
             <a:endParaRPr lang="zh-CN" altLang="en-US"/>
           </a:p>
@@ -634,7 +634,7 @@
             <a:fld id="{530820CF-B880-4189-942D-D702A7CBA730}" type="datetimeFigureOut">
               <a:rPr lang="zh-CN" altLang="en-US" smtClean="0"/>
               <a:pPr/>
-              <a:t>2022/2/1</a:t>
+              <a:t>2022/2/2</a:t>
             </a:fld>
             <a:endParaRPr lang="zh-CN" altLang="en-US"/>
           </a:p>
@@ -801,7 +801,7 @@
             <a:fld id="{530820CF-B880-4189-942D-D702A7CBA730}" type="datetimeFigureOut">
               <a:rPr lang="zh-CN" altLang="en-US" smtClean="0"/>
               <a:pPr/>
-              <a:t>2022/2/1</a:t>
+              <a:t>2022/2/2</a:t>
             </a:fld>
             <a:endParaRPr lang="zh-CN" altLang="en-US"/>
           </a:p>
@@ -1044,7 +1044,7 @@
             <a:fld id="{530820CF-B880-4189-942D-D702A7CBA730}" type="datetimeFigureOut">
               <a:rPr lang="zh-CN" altLang="en-US" smtClean="0"/>
               <a:pPr/>
-              <a:t>2022/2/1</a:t>
+              <a:t>2022/2/2</a:t>
             </a:fld>
             <a:endParaRPr lang="zh-CN" altLang="en-US"/>
           </a:p>
@@ -1329,7 +1329,7 @@
             <a:fld id="{530820CF-B880-4189-942D-D702A7CBA730}" type="datetimeFigureOut">
               <a:rPr lang="zh-CN" altLang="en-US" smtClean="0"/>
               <a:pPr/>
-              <a:t>2022/2/1</a:t>
+              <a:t>2022/2/2</a:t>
             </a:fld>
             <a:endParaRPr lang="zh-CN" altLang="en-US"/>
           </a:p>
@@ -1748,7 +1748,7 @@
             <a:fld id="{530820CF-B880-4189-942D-D702A7CBA730}" type="datetimeFigureOut">
               <a:rPr lang="zh-CN" altLang="en-US" smtClean="0"/>
               <a:pPr/>
-              <a:t>2022/2/1</a:t>
+              <a:t>2022/2/2</a:t>
             </a:fld>
             <a:endParaRPr lang="zh-CN" altLang="en-US"/>
           </a:p>
@@ -1863,7 +1863,7 @@
             <a:fld id="{530820CF-B880-4189-942D-D702A7CBA730}" type="datetimeFigureOut">
               <a:rPr lang="zh-CN" altLang="en-US" smtClean="0"/>
               <a:pPr/>
-              <a:t>2022/2/1</a:t>
+              <a:t>2022/2/2</a:t>
             </a:fld>
             <a:endParaRPr lang="zh-CN" altLang="en-US"/>
           </a:p>
@@ -1955,7 +1955,7 @@
             <a:fld id="{530820CF-B880-4189-942D-D702A7CBA730}" type="datetimeFigureOut">
               <a:rPr lang="zh-CN" altLang="en-US" smtClean="0"/>
               <a:pPr/>
-              <a:t>2022/2/1</a:t>
+              <a:t>2022/2/2</a:t>
             </a:fld>
             <a:endParaRPr lang="zh-CN" altLang="en-US"/>
           </a:p>
@@ -2229,7 +2229,7 @@
             <a:fld id="{530820CF-B880-4189-942D-D702A7CBA730}" type="datetimeFigureOut">
               <a:rPr lang="zh-CN" altLang="en-US" smtClean="0"/>
               <a:pPr/>
-              <a:t>2022/2/1</a:t>
+              <a:t>2022/2/2</a:t>
             </a:fld>
             <a:endParaRPr lang="zh-CN" altLang="en-US"/>
           </a:p>
@@ -2479,7 +2479,7 @@
             <a:fld id="{530820CF-B880-4189-942D-D702A7CBA730}" type="datetimeFigureOut">
               <a:rPr lang="zh-CN" altLang="en-US" smtClean="0"/>
               <a:pPr/>
-              <a:t>2022/2/1</a:t>
+              <a:t>2022/2/2</a:t>
             </a:fld>
             <a:endParaRPr lang="zh-CN" altLang="en-US"/>
           </a:p>
@@ -2689,7 +2689,7 @@
             <a:fld id="{530820CF-B880-4189-942D-D702A7CBA730}" type="datetimeFigureOut">
               <a:rPr lang="zh-CN" altLang="en-US" smtClean="0"/>
               <a:pPr/>
-              <a:t>2022/2/1</a:t>
+              <a:t>2022/2/2</a:t>
             </a:fld>
             <a:endParaRPr lang="zh-CN" altLang="en-US"/>
           </a:p>
@@ -3847,6 +3847,52 @@
           </a:p>
         </p:txBody>
       </p:sp>
+      <p:sp>
+        <p:nvSpPr>
+          <p:cNvPr id="28" name="椭圆 27"/>
+          <p:cNvSpPr/>
+          <p:nvPr/>
+        </p:nvSpPr>
+        <p:spPr>
+          <a:xfrm>
+            <a:off x="428596" y="2857496"/>
+            <a:ext cx="142876" cy="142876"/>
+          </a:xfrm>
+          <a:prstGeom prst="ellipse">
+            <a:avLst/>
+          </a:prstGeom>
+          <a:solidFill>
+            <a:srgbClr val="FFD653"/>
+          </a:solidFill>
+          <a:ln>
+            <a:noFill/>
+          </a:ln>
+        </p:spPr>
+        <p:style>
+          <a:lnRef idx="2">
+            <a:schemeClr val="accent1">
+              <a:shade val="50000"/>
+            </a:schemeClr>
+          </a:lnRef>
+          <a:fillRef idx="1">
+            <a:schemeClr val="accent1"/>
+          </a:fillRef>
+          <a:effectRef idx="0">
+            <a:schemeClr val="accent1"/>
+          </a:effectRef>
+          <a:fontRef idx="minor">
+            <a:schemeClr val="lt1"/>
+          </a:fontRef>
+        </p:style>
+        <p:txBody>
+          <a:bodyPr rtlCol="0" anchor="ctr"/>
+          <a:lstStyle/>
+          <a:p>
+            <a:pPr algn="ctr"/>
+            <a:endParaRPr lang="zh-CN" altLang="en-US"/>
+          </a:p>
+        </p:txBody>
+      </p:sp>
     </p:spTree>
   </p:cSld>
   <p:clrMapOvr>

--- a/UI.pptx
+++ b/UI.pptx
@@ -290,7 +290,7 @@
             <a:fld id="{530820CF-B880-4189-942D-D702A7CBA730}" type="datetimeFigureOut">
               <a:rPr lang="zh-CN" altLang="en-US" smtClean="0"/>
               <a:pPr/>
-              <a:t>2022/2/2</a:t>
+              <a:t>2022/2/3</a:t>
             </a:fld>
             <a:endParaRPr lang="zh-CN" altLang="en-US"/>
           </a:p>
@@ -457,7 +457,7 @@
             <a:fld id="{530820CF-B880-4189-942D-D702A7CBA730}" type="datetimeFigureOut">
               <a:rPr lang="zh-CN" altLang="en-US" smtClean="0"/>
               <a:pPr/>
-              <a:t>2022/2/2</a:t>
+              <a:t>2022/2/3</a:t>
             </a:fld>
             <a:endParaRPr lang="zh-CN" altLang="en-US"/>
           </a:p>
@@ -634,7 +634,7 @@
             <a:fld id="{530820CF-B880-4189-942D-D702A7CBA730}" type="datetimeFigureOut">
               <a:rPr lang="zh-CN" altLang="en-US" smtClean="0"/>
               <a:pPr/>
-              <a:t>2022/2/2</a:t>
+              <a:t>2022/2/3</a:t>
             </a:fld>
             <a:endParaRPr lang="zh-CN" altLang="en-US"/>
           </a:p>
@@ -801,7 +801,7 @@
             <a:fld id="{530820CF-B880-4189-942D-D702A7CBA730}" type="datetimeFigureOut">
               <a:rPr lang="zh-CN" altLang="en-US" smtClean="0"/>
               <a:pPr/>
-              <a:t>2022/2/2</a:t>
+              <a:t>2022/2/3</a:t>
             </a:fld>
             <a:endParaRPr lang="zh-CN" altLang="en-US"/>
           </a:p>
@@ -1044,7 +1044,7 @@
             <a:fld id="{530820CF-B880-4189-942D-D702A7CBA730}" type="datetimeFigureOut">
               <a:rPr lang="zh-CN" altLang="en-US" smtClean="0"/>
               <a:pPr/>
-              <a:t>2022/2/2</a:t>
+              <a:t>2022/2/3</a:t>
             </a:fld>
             <a:endParaRPr lang="zh-CN" altLang="en-US"/>
           </a:p>
@@ -1329,7 +1329,7 @@
             <a:fld id="{530820CF-B880-4189-942D-D702A7CBA730}" type="datetimeFigureOut">
               <a:rPr lang="zh-CN" altLang="en-US" smtClean="0"/>
               <a:pPr/>
-              <a:t>2022/2/2</a:t>
+              <a:t>2022/2/3</a:t>
             </a:fld>
             <a:endParaRPr lang="zh-CN" altLang="en-US"/>
           </a:p>
@@ -1748,7 +1748,7 @@
             <a:fld id="{530820CF-B880-4189-942D-D702A7CBA730}" type="datetimeFigureOut">
               <a:rPr lang="zh-CN" altLang="en-US" smtClean="0"/>
               <a:pPr/>
-              <a:t>2022/2/2</a:t>
+              <a:t>2022/2/3</a:t>
             </a:fld>
             <a:endParaRPr lang="zh-CN" altLang="en-US"/>
           </a:p>
@@ -1863,7 +1863,7 @@
             <a:fld id="{530820CF-B880-4189-942D-D702A7CBA730}" type="datetimeFigureOut">
               <a:rPr lang="zh-CN" altLang="en-US" smtClean="0"/>
               <a:pPr/>
-              <a:t>2022/2/2</a:t>
+              <a:t>2022/2/3</a:t>
             </a:fld>
             <a:endParaRPr lang="zh-CN" altLang="en-US"/>
           </a:p>
@@ -1955,7 +1955,7 @@
             <a:fld id="{530820CF-B880-4189-942D-D702A7CBA730}" type="datetimeFigureOut">
               <a:rPr lang="zh-CN" altLang="en-US" smtClean="0"/>
               <a:pPr/>
-              <a:t>2022/2/2</a:t>
+              <a:t>2022/2/3</a:t>
             </a:fld>
             <a:endParaRPr lang="zh-CN" altLang="en-US"/>
           </a:p>
@@ -2229,7 +2229,7 @@
             <a:fld id="{530820CF-B880-4189-942D-D702A7CBA730}" type="datetimeFigureOut">
               <a:rPr lang="zh-CN" altLang="en-US" smtClean="0"/>
               <a:pPr/>
-              <a:t>2022/2/2</a:t>
+              <a:t>2022/2/3</a:t>
             </a:fld>
             <a:endParaRPr lang="zh-CN" altLang="en-US"/>
           </a:p>
@@ -2479,7 +2479,7 @@
             <a:fld id="{530820CF-B880-4189-942D-D702A7CBA730}" type="datetimeFigureOut">
               <a:rPr lang="zh-CN" altLang="en-US" smtClean="0"/>
               <a:pPr/>
-              <a:t>2022/2/2</a:t>
+              <a:t>2022/2/3</a:t>
             </a:fld>
             <a:endParaRPr lang="zh-CN" altLang="en-US"/>
           </a:p>
@@ -2689,7 +2689,7 @@
             <a:fld id="{530820CF-B880-4189-942D-D702A7CBA730}" type="datetimeFigureOut">
               <a:rPr lang="zh-CN" altLang="en-US" smtClean="0"/>
               <a:pPr/>
-              <a:t>2022/2/2</a:t>
+              <a:t>2022/2/3</a:t>
             </a:fld>
             <a:endParaRPr lang="zh-CN" altLang="en-US"/>
           </a:p>
@@ -3893,6 +3893,98 @@
           </a:p>
         </p:txBody>
       </p:sp>
+      <p:cxnSp>
+        <p:nvCxnSpPr>
+          <p:cNvPr id="30" name="直接连接符 29"/>
+          <p:cNvCxnSpPr/>
+          <p:nvPr/>
+        </p:nvCxnSpPr>
+        <p:spPr>
+          <a:xfrm>
+            <a:off x="285720" y="3357562"/>
+            <a:ext cx="1143008" cy="1588"/>
+          </a:xfrm>
+          <a:prstGeom prst="line">
+            <a:avLst/>
+          </a:prstGeom>
+          <a:ln w="76200">
+            <a:solidFill>
+              <a:srgbClr val="00B050">
+                <a:alpha val="69804"/>
+              </a:srgbClr>
+            </a:solidFill>
+            <a:prstDash val="sysDash"/>
+          </a:ln>
+          <a:effectLst>
+            <a:glow rad="228600">
+              <a:schemeClr val="accent3">
+                <a:satMod val="175000"/>
+                <a:alpha val="40000"/>
+              </a:schemeClr>
+            </a:glow>
+          </a:effectLst>
+        </p:spPr>
+        <p:style>
+          <a:lnRef idx="1">
+            <a:schemeClr val="accent1"/>
+          </a:lnRef>
+          <a:fillRef idx="0">
+            <a:schemeClr val="accent1"/>
+          </a:fillRef>
+          <a:effectRef idx="0">
+            <a:schemeClr val="accent1"/>
+          </a:effectRef>
+          <a:fontRef idx="minor">
+            <a:schemeClr val="tx1"/>
+          </a:fontRef>
+        </p:style>
+      </p:cxnSp>
+      <p:cxnSp>
+        <p:nvCxnSpPr>
+          <p:cNvPr id="33" name="直接连接符 32"/>
+          <p:cNvCxnSpPr/>
+          <p:nvPr/>
+        </p:nvCxnSpPr>
+        <p:spPr>
+          <a:xfrm>
+            <a:off x="285720" y="3643314"/>
+            <a:ext cx="1143008" cy="1588"/>
+          </a:xfrm>
+          <a:prstGeom prst="line">
+            <a:avLst/>
+          </a:prstGeom>
+          <a:ln w="76200">
+            <a:solidFill>
+              <a:srgbClr val="FF0000">
+                <a:alpha val="69804"/>
+              </a:srgbClr>
+            </a:solidFill>
+            <a:prstDash val="sysDash"/>
+          </a:ln>
+          <a:effectLst>
+            <a:glow rad="228600">
+              <a:schemeClr val="accent2">
+                <a:satMod val="175000"/>
+                <a:alpha val="40000"/>
+              </a:schemeClr>
+            </a:glow>
+          </a:effectLst>
+        </p:spPr>
+        <p:style>
+          <a:lnRef idx="1">
+            <a:schemeClr val="accent1"/>
+          </a:lnRef>
+          <a:fillRef idx="0">
+            <a:schemeClr val="accent1"/>
+          </a:fillRef>
+          <a:effectRef idx="0">
+            <a:schemeClr val="accent1"/>
+          </a:effectRef>
+          <a:fontRef idx="minor">
+            <a:schemeClr val="tx1"/>
+          </a:fontRef>
+        </p:style>
+      </p:cxnSp>
     </p:spTree>
   </p:cSld>
   <p:clrMapOvr>

--- a/UI.pptx
+++ b/UI.pptx
@@ -3769,9 +3769,30 @@
           <a:prstGeom prst="rect">
             <a:avLst/>
           </a:prstGeom>
-          <a:solidFill>
-            <a:srgbClr val="92D050"/>
-          </a:solidFill>
+          <a:gradFill flip="none" rotWithShape="1">
+            <a:gsLst>
+              <a:gs pos="0">
+                <a:srgbClr val="92D050">
+                  <a:shade val="30000"/>
+                  <a:satMod val="115000"/>
+                </a:srgbClr>
+              </a:gs>
+              <a:gs pos="50000">
+                <a:srgbClr val="92D050">
+                  <a:shade val="67500"/>
+                  <a:satMod val="115000"/>
+                </a:srgbClr>
+              </a:gs>
+              <a:gs pos="100000">
+                <a:srgbClr val="92D050">
+                  <a:shade val="100000"/>
+                  <a:satMod val="115000"/>
+                </a:srgbClr>
+              </a:gs>
+            </a:gsLst>
+            <a:lin ang="16200000" scaled="1"/>
+            <a:tileRect/>
+          </a:gradFill>
           <a:ln>
             <a:noFill/>
           </a:ln>
@@ -3815,9 +3836,30 @@
           <a:prstGeom prst="rect">
             <a:avLst/>
           </a:prstGeom>
-          <a:solidFill>
-            <a:srgbClr val="873324"/>
-          </a:solidFill>
+          <a:gradFill flip="none" rotWithShape="1">
+            <a:gsLst>
+              <a:gs pos="0">
+                <a:srgbClr val="873324">
+                  <a:shade val="30000"/>
+                  <a:satMod val="115000"/>
+                </a:srgbClr>
+              </a:gs>
+              <a:gs pos="50000">
+                <a:srgbClr val="873324">
+                  <a:shade val="67500"/>
+                  <a:satMod val="115000"/>
+                </a:srgbClr>
+              </a:gs>
+              <a:gs pos="100000">
+                <a:srgbClr val="873324">
+                  <a:shade val="100000"/>
+                  <a:satMod val="115000"/>
+                </a:srgbClr>
+              </a:gs>
+            </a:gsLst>
+            <a:lin ang="16200000" scaled="1"/>
+            <a:tileRect/>
+          </a:gradFill>
           <a:ln>
             <a:noFill/>
           </a:ln>

--- a/UI.pptx
+++ b/UI.pptx
@@ -4061,7 +4061,7 @@
         <p:grpSpPr>
           <a:xfrm>
             <a:off x="1500166" y="1857364"/>
-            <a:ext cx="714380" cy="714380"/>
+            <a:ext cx="214314" cy="214314"/>
             <a:chOff x="1500166" y="1857364"/>
             <a:chExt cx="2214578" cy="2214578"/>
           </a:xfrm>
@@ -4082,7 +4082,7 @@
             </a:prstGeom>
             <a:solidFill>
               <a:srgbClr val="3369E8">
-                <a:alpha val="20000"/>
+                <a:alpha val="40000"/>
               </a:srgbClr>
             </a:solidFill>
             <a:ln>
@@ -4188,7 +4188,7 @@
               </a:avLst>
             </a:prstGeom>
             <a:solidFill>
-              <a:srgbClr val="33A853">
+              <a:srgbClr val="35AA53">
                 <a:alpha val="60000"/>
               </a:srgbClr>
             </a:solidFill>
@@ -4231,7 +4231,7 @@
         <p:grpSpPr>
           <a:xfrm>
             <a:off x="2000232" y="3500438"/>
-            <a:ext cx="714380" cy="714380"/>
+            <a:ext cx="214314" cy="214314"/>
             <a:chOff x="2000232" y="3500438"/>
             <a:chExt cx="714380" cy="714380"/>
           </a:xfrm>
@@ -4252,7 +4252,7 @@
             </a:prstGeom>
             <a:solidFill>
               <a:srgbClr val="D50F25">
-                <a:alpha val="20000"/>
+                <a:alpha val="40000"/>
               </a:srgbClr>
             </a:solidFill>
             <a:ln>
@@ -4401,7 +4401,7 @@
         <p:grpSpPr>
           <a:xfrm>
             <a:off x="3571868" y="3714752"/>
-            <a:ext cx="714380" cy="714380"/>
+            <a:ext cx="214314" cy="214314"/>
             <a:chOff x="3571868" y="3714752"/>
             <a:chExt cx="714380" cy="714380"/>
           </a:xfrm>
@@ -4422,7 +4422,7 @@
             </a:prstGeom>
             <a:solidFill>
               <a:srgbClr val="D3BC05">
-                <a:alpha val="30196"/>
+                <a:alpha val="50196"/>
               </a:srgbClr>
             </a:solidFill>
             <a:ln>
@@ -4571,7 +4571,7 @@
         <p:grpSpPr>
           <a:xfrm>
             <a:off x="3929058" y="1928802"/>
-            <a:ext cx="714380" cy="714380"/>
+            <a:ext cx="214314" cy="214314"/>
             <a:chOff x="3929058" y="1928802"/>
             <a:chExt cx="928694" cy="928694"/>
           </a:xfrm>
@@ -4592,7 +4592,7 @@
             </a:prstGeom>
             <a:solidFill>
               <a:srgbClr val="36B056">
-                <a:alpha val="40000"/>
+                <a:alpha val="50196"/>
               </a:srgbClr>
             </a:solidFill>
             <a:ln>
@@ -4741,7 +4741,7 @@
         <p:grpSpPr>
           <a:xfrm>
             <a:off x="3000364" y="4714884"/>
-            <a:ext cx="714380" cy="714380"/>
+            <a:ext cx="214314" cy="214314"/>
             <a:chOff x="3000364" y="4714884"/>
             <a:chExt cx="928694" cy="928694"/>
           </a:xfrm>
@@ -4762,7 +4762,7 @@
             </a:prstGeom>
             <a:solidFill>
               <a:srgbClr val="D50F25">
-                <a:alpha val="20000"/>
+                <a:alpha val="40000"/>
               </a:srgbClr>
             </a:solidFill>
             <a:ln>
@@ -4911,7 +4911,7 @@
         <p:grpSpPr>
           <a:xfrm>
             <a:off x="5143504" y="2214554"/>
-            <a:ext cx="714380" cy="714380"/>
+            <a:ext cx="214314" cy="214314"/>
             <a:chOff x="5143504" y="2214554"/>
             <a:chExt cx="928694" cy="928694"/>
           </a:xfrm>
@@ -4932,7 +4932,7 @@
             </a:prstGeom>
             <a:solidFill>
               <a:srgbClr val="36B056">
-                <a:alpha val="40000"/>
+                <a:alpha val="50196"/>
               </a:srgbClr>
             </a:solidFill>
             <a:ln>
@@ -5081,7 +5081,7 @@
         <p:grpSpPr>
           <a:xfrm>
             <a:off x="4857752" y="3857628"/>
-            <a:ext cx="714380" cy="714380"/>
+            <a:ext cx="214314" cy="214314"/>
             <a:chOff x="4857752" y="3857628"/>
             <a:chExt cx="928694" cy="928694"/>
           </a:xfrm>
@@ -5102,7 +5102,7 @@
             </a:prstGeom>
             <a:solidFill>
               <a:srgbClr val="D3BC05">
-                <a:alpha val="30196"/>
+                <a:alpha val="50196"/>
               </a:srgbClr>
             </a:solidFill>
             <a:ln>
@@ -5251,7 +5251,7 @@
         <p:grpSpPr>
           <a:xfrm>
             <a:off x="2643174" y="928670"/>
-            <a:ext cx="714380" cy="714380"/>
+            <a:ext cx="214314" cy="214314"/>
             <a:chOff x="2643174" y="928670"/>
             <a:chExt cx="928694" cy="928694"/>
           </a:xfrm>
@@ -5271,8 +5271,8 @@
               <a:avLst/>
             </a:prstGeom>
             <a:solidFill>
-              <a:srgbClr val="3369E8">
-                <a:alpha val="20000"/>
+              <a:srgbClr val="4586F3">
+                <a:alpha val="40000"/>
               </a:srgbClr>
             </a:solidFill>
             <a:ln>

--- a/UI.pptx
+++ b/UI.pptx
@@ -7,6 +7,7 @@
   <p:sldIdLst>
     <p:sldId id="256" r:id="rId2"/>
     <p:sldId id="257" r:id="rId3"/>
+    <p:sldId id="258" r:id="rId4"/>
   </p:sldIdLst>
   <p:sldSz cx="9144000" cy="6858000" type="screen4x3"/>
   <p:notesSz cx="6858000" cy="9144000"/>
@@ -290,7 +291,7 @@
             <a:fld id="{530820CF-B880-4189-942D-D702A7CBA730}" type="datetimeFigureOut">
               <a:rPr lang="zh-CN" altLang="en-US" smtClean="0"/>
               <a:pPr/>
-              <a:t>2022/2/3</a:t>
+              <a:t>2022/2/4</a:t>
             </a:fld>
             <a:endParaRPr lang="zh-CN" altLang="en-US"/>
           </a:p>
@@ -457,7 +458,7 @@
             <a:fld id="{530820CF-B880-4189-942D-D702A7CBA730}" type="datetimeFigureOut">
               <a:rPr lang="zh-CN" altLang="en-US" smtClean="0"/>
               <a:pPr/>
-              <a:t>2022/2/3</a:t>
+              <a:t>2022/2/4</a:t>
             </a:fld>
             <a:endParaRPr lang="zh-CN" altLang="en-US"/>
           </a:p>
@@ -634,7 +635,7 @@
             <a:fld id="{530820CF-B880-4189-942D-D702A7CBA730}" type="datetimeFigureOut">
               <a:rPr lang="zh-CN" altLang="en-US" smtClean="0"/>
               <a:pPr/>
-              <a:t>2022/2/3</a:t>
+              <a:t>2022/2/4</a:t>
             </a:fld>
             <a:endParaRPr lang="zh-CN" altLang="en-US"/>
           </a:p>
@@ -801,7 +802,7 @@
             <a:fld id="{530820CF-B880-4189-942D-D702A7CBA730}" type="datetimeFigureOut">
               <a:rPr lang="zh-CN" altLang="en-US" smtClean="0"/>
               <a:pPr/>
-              <a:t>2022/2/3</a:t>
+              <a:t>2022/2/4</a:t>
             </a:fld>
             <a:endParaRPr lang="zh-CN" altLang="en-US"/>
           </a:p>
@@ -1044,7 +1045,7 @@
             <a:fld id="{530820CF-B880-4189-942D-D702A7CBA730}" type="datetimeFigureOut">
               <a:rPr lang="zh-CN" altLang="en-US" smtClean="0"/>
               <a:pPr/>
-              <a:t>2022/2/3</a:t>
+              <a:t>2022/2/4</a:t>
             </a:fld>
             <a:endParaRPr lang="zh-CN" altLang="en-US"/>
           </a:p>
@@ -1329,7 +1330,7 @@
             <a:fld id="{530820CF-B880-4189-942D-D702A7CBA730}" type="datetimeFigureOut">
               <a:rPr lang="zh-CN" altLang="en-US" smtClean="0"/>
               <a:pPr/>
-              <a:t>2022/2/3</a:t>
+              <a:t>2022/2/4</a:t>
             </a:fld>
             <a:endParaRPr lang="zh-CN" altLang="en-US"/>
           </a:p>
@@ -1748,7 +1749,7 @@
             <a:fld id="{530820CF-B880-4189-942D-D702A7CBA730}" type="datetimeFigureOut">
               <a:rPr lang="zh-CN" altLang="en-US" smtClean="0"/>
               <a:pPr/>
-              <a:t>2022/2/3</a:t>
+              <a:t>2022/2/4</a:t>
             </a:fld>
             <a:endParaRPr lang="zh-CN" altLang="en-US"/>
           </a:p>
@@ -1863,7 +1864,7 @@
             <a:fld id="{530820CF-B880-4189-942D-D702A7CBA730}" type="datetimeFigureOut">
               <a:rPr lang="zh-CN" altLang="en-US" smtClean="0"/>
               <a:pPr/>
-              <a:t>2022/2/3</a:t>
+              <a:t>2022/2/4</a:t>
             </a:fld>
             <a:endParaRPr lang="zh-CN" altLang="en-US"/>
           </a:p>
@@ -1955,7 +1956,7 @@
             <a:fld id="{530820CF-B880-4189-942D-D702A7CBA730}" type="datetimeFigureOut">
               <a:rPr lang="zh-CN" altLang="en-US" smtClean="0"/>
               <a:pPr/>
-              <a:t>2022/2/3</a:t>
+              <a:t>2022/2/4</a:t>
             </a:fld>
             <a:endParaRPr lang="zh-CN" altLang="en-US"/>
           </a:p>
@@ -2229,7 +2230,7 @@
             <a:fld id="{530820CF-B880-4189-942D-D702A7CBA730}" type="datetimeFigureOut">
               <a:rPr lang="zh-CN" altLang="en-US" smtClean="0"/>
               <a:pPr/>
-              <a:t>2022/2/3</a:t>
+              <a:t>2022/2/4</a:t>
             </a:fld>
             <a:endParaRPr lang="zh-CN" altLang="en-US"/>
           </a:p>
@@ -2479,7 +2480,7 @@
             <a:fld id="{530820CF-B880-4189-942D-D702A7CBA730}" type="datetimeFigureOut">
               <a:rPr lang="zh-CN" altLang="en-US" smtClean="0"/>
               <a:pPr/>
-              <a:t>2022/2/3</a:t>
+              <a:t>2022/2/4</a:t>
             </a:fld>
             <a:endParaRPr lang="zh-CN" altLang="en-US"/>
           </a:p>
@@ -2689,7 +2690,7 @@
             <a:fld id="{530820CF-B880-4189-942D-D702A7CBA730}" type="datetimeFigureOut">
               <a:rPr lang="zh-CN" altLang="en-US" smtClean="0"/>
               <a:pPr/>
-              <a:t>2022/2/3</a:t>
+              <a:t>2022/2/4</a:t>
             </a:fld>
             <a:endParaRPr lang="zh-CN" altLang="en-US"/>
           </a:p>
@@ -5420,6 +5421,423 @@
 </p:sld>
 </file>
 
+<file path=ppt/slides/slide3.xml><?xml version="1.0" encoding="utf-8"?>
+<p:sld xmlns:a="http://schemas.openxmlformats.org/drawingml/2006/main" xmlns:r="http://schemas.openxmlformats.org/officeDocument/2006/relationships" xmlns:p="http://schemas.openxmlformats.org/presentationml/2006/main">
+  <p:cSld>
+    <p:spTree>
+      <p:nvGrpSpPr>
+        <p:cNvPr id="1" name=""/>
+        <p:cNvGrpSpPr/>
+        <p:nvPr/>
+      </p:nvGrpSpPr>
+      <p:grpSpPr>
+        <a:xfrm>
+          <a:off x="0" y="0"/>
+          <a:ext cx="0" cy="0"/>
+          <a:chOff x="0" y="0"/>
+          <a:chExt cx="0" cy="0"/>
+        </a:xfrm>
+      </p:grpSpPr>
+      <p:sp>
+        <p:nvSpPr>
+          <p:cNvPr id="15" name="椭圆 14"/>
+          <p:cNvSpPr/>
+          <p:nvPr/>
+        </p:nvSpPr>
+        <p:spPr>
+          <a:xfrm>
+            <a:off x="2071670" y="1000108"/>
+            <a:ext cx="2786082" cy="2786082"/>
+          </a:xfrm>
+          <a:prstGeom prst="ellipse">
+            <a:avLst/>
+          </a:prstGeom>
+          <a:solidFill>
+            <a:srgbClr val="FFFFFF">
+              <a:alpha val="50196"/>
+            </a:srgbClr>
+          </a:solidFill>
+          <a:ln>
+            <a:solidFill>
+              <a:schemeClr val="accent5">
+                <a:lumMod val="20000"/>
+                <a:lumOff val="80000"/>
+              </a:schemeClr>
+            </a:solidFill>
+          </a:ln>
+        </p:spPr>
+        <p:style>
+          <a:lnRef idx="2">
+            <a:schemeClr val="accent1">
+              <a:shade val="50000"/>
+            </a:schemeClr>
+          </a:lnRef>
+          <a:fillRef idx="1">
+            <a:schemeClr val="accent1"/>
+          </a:fillRef>
+          <a:effectRef idx="0">
+            <a:schemeClr val="accent1"/>
+          </a:effectRef>
+          <a:fontRef idx="minor">
+            <a:schemeClr val="lt1"/>
+          </a:fontRef>
+        </p:style>
+        <p:txBody>
+          <a:bodyPr rtlCol="0" anchor="ctr"/>
+          <a:lstStyle/>
+          <a:p>
+            <a:pPr algn="ctr"/>
+            <a:endParaRPr lang="zh-CN" altLang="en-US"/>
+          </a:p>
+        </p:txBody>
+      </p:sp>
+      <p:grpSp>
+        <p:nvGrpSpPr>
+          <p:cNvPr id="14" name="组合 13"/>
+          <p:cNvGrpSpPr/>
+          <p:nvPr/>
+        </p:nvGrpSpPr>
+        <p:grpSpPr>
+          <a:xfrm rot="20550618">
+            <a:off x="2557063" y="1407143"/>
+            <a:ext cx="1733690" cy="1835665"/>
+            <a:chOff x="2415118" y="1637932"/>
+            <a:chExt cx="1162810" cy="1231208"/>
+          </a:xfrm>
+        </p:grpSpPr>
+        <p:grpSp>
+          <p:nvGrpSpPr>
+            <p:cNvPr id="9" name="组合 8"/>
+            <p:cNvGrpSpPr/>
+            <p:nvPr/>
+          </p:nvGrpSpPr>
+          <p:grpSpPr>
+            <a:xfrm>
+              <a:off x="2428860" y="1714488"/>
+              <a:ext cx="1149068" cy="1154652"/>
+              <a:chOff x="2422800" y="1785926"/>
+              <a:chExt cx="1649134" cy="1657148"/>
+            </a:xfrm>
+          </p:grpSpPr>
+          <p:sp>
+            <p:nvSpPr>
+              <p:cNvPr id="4" name="弧形 3"/>
+              <p:cNvSpPr/>
+              <p:nvPr/>
+            </p:nvSpPr>
+            <p:spPr>
+              <a:xfrm>
+                <a:off x="2428860" y="1785926"/>
+                <a:ext cx="1643074" cy="1643074"/>
+              </a:xfrm>
+              <a:prstGeom prst="arc">
+                <a:avLst>
+                  <a:gd name="adj1" fmla="val 16035996"/>
+                  <a:gd name="adj2" fmla="val 0"/>
+                </a:avLst>
+              </a:prstGeom>
+              <a:ln w="254000">
+                <a:solidFill>
+                  <a:srgbClr val="4586F3"/>
+                </a:solidFill>
+              </a:ln>
+            </p:spPr>
+            <p:style>
+              <a:lnRef idx="1">
+                <a:schemeClr val="accent1"/>
+              </a:lnRef>
+              <a:fillRef idx="0">
+                <a:schemeClr val="accent1"/>
+              </a:fillRef>
+              <a:effectRef idx="0">
+                <a:schemeClr val="accent1"/>
+              </a:effectRef>
+              <a:fontRef idx="minor">
+                <a:schemeClr val="tx1"/>
+              </a:fontRef>
+            </p:style>
+            <p:txBody>
+              <a:bodyPr rtlCol="0" anchor="ctr"/>
+              <a:lstStyle/>
+              <a:p>
+                <a:pPr algn="ctr"/>
+                <a:endParaRPr lang="zh-CN" altLang="en-US"/>
+              </a:p>
+            </p:txBody>
+          </p:sp>
+          <p:sp>
+            <p:nvSpPr>
+              <p:cNvPr id="6" name="弧形 5"/>
+              <p:cNvSpPr/>
+              <p:nvPr/>
+            </p:nvSpPr>
+            <p:spPr>
+              <a:xfrm rot="5400000">
+                <a:off x="2422800" y="1800000"/>
+                <a:ext cx="1643074" cy="1643074"/>
+              </a:xfrm>
+              <a:prstGeom prst="arc">
+                <a:avLst>
+                  <a:gd name="adj1" fmla="val 16006713"/>
+                  <a:gd name="adj2" fmla="val 0"/>
+                </a:avLst>
+              </a:prstGeom>
+              <a:ln w="254000">
+                <a:solidFill>
+                  <a:srgbClr val="FF0000"/>
+                </a:solidFill>
+              </a:ln>
+            </p:spPr>
+            <p:style>
+              <a:lnRef idx="1">
+                <a:schemeClr val="accent1"/>
+              </a:lnRef>
+              <a:fillRef idx="0">
+                <a:schemeClr val="accent1"/>
+              </a:fillRef>
+              <a:effectRef idx="0">
+                <a:schemeClr val="accent1"/>
+              </a:effectRef>
+              <a:fontRef idx="minor">
+                <a:schemeClr val="tx1"/>
+              </a:fontRef>
+            </p:style>
+            <p:txBody>
+              <a:bodyPr rtlCol="0" anchor="ctr"/>
+              <a:lstStyle/>
+              <a:p>
+                <a:pPr algn="ctr"/>
+                <a:endParaRPr lang="zh-CN" altLang="en-US"/>
+              </a:p>
+            </p:txBody>
+          </p:sp>
+          <p:sp>
+            <p:nvSpPr>
+              <p:cNvPr id="7" name="弧形 6"/>
+              <p:cNvSpPr/>
+              <p:nvPr/>
+            </p:nvSpPr>
+            <p:spPr>
+              <a:xfrm rot="10800000">
+                <a:off x="2428860" y="1785926"/>
+                <a:ext cx="1643074" cy="1643074"/>
+              </a:xfrm>
+              <a:prstGeom prst="arc">
+                <a:avLst/>
+              </a:prstGeom>
+              <a:ln w="254000">
+                <a:solidFill>
+                  <a:srgbClr val="FFD653"/>
+                </a:solidFill>
+              </a:ln>
+            </p:spPr>
+            <p:style>
+              <a:lnRef idx="1">
+                <a:schemeClr val="accent1"/>
+              </a:lnRef>
+              <a:fillRef idx="0">
+                <a:schemeClr val="accent1"/>
+              </a:fillRef>
+              <a:effectRef idx="0">
+                <a:schemeClr val="accent1"/>
+              </a:effectRef>
+              <a:fontRef idx="minor">
+                <a:schemeClr val="tx1"/>
+              </a:fontRef>
+            </p:style>
+            <p:txBody>
+              <a:bodyPr rtlCol="0" anchor="ctr"/>
+              <a:lstStyle/>
+              <a:p>
+                <a:pPr algn="ctr"/>
+                <a:endParaRPr lang="zh-CN" altLang="en-US"/>
+              </a:p>
+            </p:txBody>
+          </p:sp>
+          <p:sp>
+            <p:nvSpPr>
+              <p:cNvPr id="8" name="弧形 7"/>
+              <p:cNvSpPr/>
+              <p:nvPr/>
+            </p:nvSpPr>
+            <p:spPr>
+              <a:xfrm rot="16200000">
+                <a:off x="2428860" y="1785926"/>
+                <a:ext cx="1643074" cy="1643074"/>
+              </a:xfrm>
+              <a:prstGeom prst="arc">
+                <a:avLst/>
+              </a:prstGeom>
+              <a:ln w="254000">
+                <a:solidFill>
+                  <a:srgbClr val="35AA53"/>
+                </a:solidFill>
+              </a:ln>
+            </p:spPr>
+            <p:style>
+              <a:lnRef idx="1">
+                <a:schemeClr val="accent1"/>
+              </a:lnRef>
+              <a:fillRef idx="0">
+                <a:schemeClr val="accent1"/>
+              </a:fillRef>
+              <a:effectRef idx="0">
+                <a:schemeClr val="accent1"/>
+              </a:effectRef>
+              <a:fontRef idx="minor">
+                <a:schemeClr val="tx1"/>
+              </a:fontRef>
+            </p:style>
+            <p:txBody>
+              <a:bodyPr rtlCol="0" anchor="ctr"/>
+              <a:lstStyle/>
+              <a:p>
+                <a:pPr algn="ctr"/>
+                <a:endParaRPr lang="zh-CN" altLang="en-US"/>
+              </a:p>
+            </p:txBody>
+          </p:sp>
+        </p:grpSp>
+        <p:sp>
+          <p:nvSpPr>
+            <p:cNvPr id="11" name="椭圆 10"/>
+            <p:cNvSpPr/>
+            <p:nvPr/>
+          </p:nvSpPr>
+          <p:spPr>
+            <a:xfrm>
+              <a:off x="2673450" y="2354304"/>
+              <a:ext cx="71438" cy="71438"/>
+            </a:xfrm>
+            <a:prstGeom prst="ellipse">
+              <a:avLst/>
+            </a:prstGeom>
+            <a:solidFill>
+              <a:schemeClr val="tx1"/>
+            </a:solidFill>
+            <a:ln w="38100">
+              <a:noFill/>
+            </a:ln>
+          </p:spPr>
+          <p:style>
+            <a:lnRef idx="2">
+              <a:schemeClr val="dk1">
+                <a:shade val="50000"/>
+              </a:schemeClr>
+            </a:lnRef>
+            <a:fillRef idx="1">
+              <a:schemeClr val="dk1"/>
+            </a:fillRef>
+            <a:effectRef idx="0">
+              <a:schemeClr val="dk1"/>
+            </a:effectRef>
+            <a:fontRef idx="minor">
+              <a:schemeClr val="lt1"/>
+            </a:fontRef>
+          </p:style>
+          <p:txBody>
+            <a:bodyPr rtlCol="0" anchor="ctr"/>
+            <a:lstStyle/>
+            <a:p>
+              <a:pPr algn="ctr"/>
+              <a:endParaRPr lang="zh-CN" altLang="en-US"/>
+            </a:p>
+          </p:txBody>
+        </p:sp>
+        <p:sp>
+          <p:nvSpPr>
+            <p:cNvPr id="12" name="椭圆 11"/>
+            <p:cNvSpPr/>
+            <p:nvPr/>
+          </p:nvSpPr>
+          <p:spPr>
+            <a:xfrm>
+              <a:off x="3305743" y="2101408"/>
+              <a:ext cx="71438" cy="71438"/>
+            </a:xfrm>
+            <a:prstGeom prst="ellipse">
+              <a:avLst/>
+            </a:prstGeom>
+            <a:ln w="76200">
+              <a:noFill/>
+            </a:ln>
+          </p:spPr>
+          <p:style>
+            <a:lnRef idx="2">
+              <a:schemeClr val="dk1">
+                <a:shade val="50000"/>
+              </a:schemeClr>
+            </a:lnRef>
+            <a:fillRef idx="1">
+              <a:schemeClr val="dk1"/>
+            </a:fillRef>
+            <a:effectRef idx="0">
+              <a:schemeClr val="dk1"/>
+            </a:effectRef>
+            <a:fontRef idx="minor">
+              <a:schemeClr val="lt1"/>
+            </a:fontRef>
+          </p:style>
+          <p:txBody>
+            <a:bodyPr rtlCol="0" anchor="ctr"/>
+            <a:lstStyle/>
+            <a:p>
+              <a:pPr algn="ctr"/>
+              <a:endParaRPr lang="zh-CN" altLang="en-US"/>
+            </a:p>
+          </p:txBody>
+        </p:sp>
+        <p:sp>
+          <p:nvSpPr>
+            <p:cNvPr id="13" name="弧形 12"/>
+            <p:cNvSpPr/>
+            <p:nvPr/>
+          </p:nvSpPr>
+          <p:spPr>
+            <a:xfrm rot="6891774">
+              <a:off x="2415117" y="1637933"/>
+              <a:ext cx="867965" cy="867964"/>
+            </a:xfrm>
+            <a:prstGeom prst="arc">
+              <a:avLst>
+                <a:gd name="adj1" fmla="val 16476662"/>
+                <a:gd name="adj2" fmla="val 19972976"/>
+              </a:avLst>
+            </a:prstGeom>
+            <a:ln w="76200"/>
+          </p:spPr>
+          <p:style>
+            <a:lnRef idx="1">
+              <a:schemeClr val="dk1"/>
+            </a:lnRef>
+            <a:fillRef idx="0">
+              <a:schemeClr val="dk1"/>
+            </a:fillRef>
+            <a:effectRef idx="0">
+              <a:schemeClr val="dk1"/>
+            </a:effectRef>
+            <a:fontRef idx="minor">
+              <a:schemeClr val="tx1"/>
+            </a:fontRef>
+          </p:style>
+          <p:txBody>
+            <a:bodyPr rtlCol="0" anchor="ctr"/>
+            <a:lstStyle/>
+            <a:p>
+              <a:pPr algn="ctr"/>
+              <a:endParaRPr lang="zh-CN" altLang="en-US"/>
+            </a:p>
+          </p:txBody>
+        </p:sp>
+      </p:grpSp>
+    </p:spTree>
+  </p:cSld>
+  <p:clrMapOvr>
+    <a:masterClrMapping/>
+  </p:clrMapOvr>
+</p:sld>
+</file>
+
 <file path=ppt/theme/theme1.xml><?xml version="1.0" encoding="utf-8"?>
 <a:theme xmlns:a="http://schemas.openxmlformats.org/drawingml/2006/main" name="Office 主题">
   <a:themeElements>
